--- a/Lectures/L01_Introduction_PracticingProfessionalism_CommandLine_PHY245_F23.pptx
+++ b/Lectures/L01_Introduction_PracticingProfessionalism_CommandLine_PHY245_F23.pptx
@@ -131,16 +131,32 @@
 </p:presentation>
 </file>
 
-<file path=ppt/revisionInfo.xml><?xml version="1.0" encoding="utf-8"?>
-<p1510:revInfo xmlns:a="http://schemas.openxmlformats.org/drawingml/2006/main" xmlns:r="http://schemas.openxmlformats.org/officeDocument/2006/relationships" xmlns:p1510="http://schemas.microsoft.com/office/powerpoint/2015/10/main">
-  <p1510:revLst>
-    <p1510:client id="{4490B88B-4CA2-4491-8EF8-6FF081BA58DA}" v="43" dt="2023-09-05T14:27:36.096"/>
-  </p1510:revLst>
-</p1510:revInfo>
-</file>
-
 <file path=ppt/changesInfos/changesInfo1.xml><?xml version="1.0" encoding="utf-8"?>
 <pc:chgInfo xmlns:a="http://schemas.openxmlformats.org/drawingml/2006/main" xmlns:r="http://schemas.openxmlformats.org/officeDocument/2006/relationships" xmlns:ac="http://schemas.microsoft.com/office/drawing/2013/main/command" xmlns:pc="http://schemas.microsoft.com/office/powerpoint/2013/main/command">
+  <pc:docChgLst>
+    <pc:chgData name="Daniel Hickox-Young" userId="024e74506f1bac33" providerId="LiveId" clId="{A84C4C13-3723-44DC-8AA1-7352B3BBB1D1}"/>
+    <pc:docChg chg="modSld">
+      <pc:chgData name="Daniel Hickox-Young" userId="024e74506f1bac33" providerId="LiveId" clId="{A84C4C13-3723-44DC-8AA1-7352B3BBB1D1}" dt="2024-05-02T02:01:50.219" v="0" actId="20577"/>
+      <pc:docMkLst>
+        <pc:docMk/>
+      </pc:docMkLst>
+      <pc:sldChg chg="modSp mod">
+        <pc:chgData name="Daniel Hickox-Young" userId="024e74506f1bac33" providerId="LiveId" clId="{A84C4C13-3723-44DC-8AA1-7352B3BBB1D1}" dt="2024-05-02T02:01:50.219" v="0" actId="20577"/>
+        <pc:sldMkLst>
+          <pc:docMk/>
+          <pc:sldMk cId="3520675514" sldId="256"/>
+        </pc:sldMkLst>
+        <pc:spChg chg="mod">
+          <ac:chgData name="Daniel Hickox-Young" userId="024e74506f1bac33" providerId="LiveId" clId="{A84C4C13-3723-44DC-8AA1-7352B3BBB1D1}" dt="2024-05-02T02:01:50.219" v="0" actId="20577"/>
+          <ac:spMkLst>
+            <pc:docMk/>
+            <pc:sldMk cId="3520675514" sldId="256"/>
+            <ac:spMk id="2" creationId="{249596E3-A6B2-4972-AB10-D0C9BDC3AFF3}"/>
+          </ac:spMkLst>
+        </pc:spChg>
+      </pc:sldChg>
+    </pc:docChg>
+  </pc:docChgLst>
   <pc:docChgLst>
     <pc:chgData name="Daniel Hickox-Young" userId="024e74506f1bac33" providerId="LiveId" clId="{4490B88B-4CA2-4491-8EF8-6FF081BA58DA}"/>
     <pc:docChg chg="undo custSel delSld modSld sldOrd">
@@ -579,7 +595,7 @@
           <a:p>
             <a:fld id="{C5405405-45F6-4923-BC11-F5A1261AA6A0}" type="datetimeFigureOut">
               <a:rPr lang="en-US" smtClean="0"/>
-              <a:t>9/5/2023</a:t>
+              <a:t>5/1/2024</a:t>
             </a:fld>
             <a:endParaRPr lang="en-US"/>
           </a:p>
@@ -1024,7 +1040,7 @@
           <a:p>
             <a:fld id="{CDD72F76-D630-4039-AEC1-D6F113262041}" type="datetime1">
               <a:rPr lang="en-US" smtClean="0"/>
-              <a:t>9/5/2023</a:t>
+              <a:t>5/1/2024</a:t>
             </a:fld>
             <a:endParaRPr lang="en-US"/>
           </a:p>
@@ -1195,7 +1211,7 @@
           <a:p>
             <a:fld id="{BE09AA94-274C-418F-809A-DBC425C8BF40}" type="datetime1">
               <a:rPr lang="en-US" smtClean="0"/>
-              <a:t>9/5/2023</a:t>
+              <a:t>5/1/2024</a:t>
             </a:fld>
             <a:endParaRPr lang="en-US"/>
           </a:p>
@@ -1419,7 +1435,7 @@
           <a:p>
             <a:fld id="{71CDF3A5-94DE-411D-A50B-0349E276C366}" type="datetime1">
               <a:rPr lang="en-US" smtClean="0"/>
-              <a:t>9/5/2023</a:t>
+              <a:t>5/1/2024</a:t>
             </a:fld>
             <a:endParaRPr lang="en-US"/>
           </a:p>
@@ -1671,7 +1687,7 @@
           <a:p>
             <a:fld id="{26F647A5-4445-48CC-AAF7-2B30BD50CF86}" type="datetime1">
               <a:rPr lang="en-US" smtClean="0"/>
-              <a:t>9/5/2023</a:t>
+              <a:t>5/1/2024</a:t>
             </a:fld>
             <a:endParaRPr lang="en-US"/>
           </a:p>
@@ -1842,7 +1858,7 @@
           <a:p>
             <a:fld id="{58B96D0B-9CA5-47AE-A7CD-5B80031EF13A}" type="datetime1">
               <a:rPr lang="en-US" smtClean="0"/>
-              <a:t>9/5/2023</a:t>
+              <a:t>5/1/2024</a:t>
             </a:fld>
             <a:endParaRPr lang="en-US"/>
           </a:p>
@@ -2145,7 +2161,7 @@
           <a:p>
             <a:fld id="{86112F73-96FD-45B2-AE33-772479514A75}" type="datetime1">
               <a:rPr lang="en-US" smtClean="0"/>
-              <a:t>9/5/2023</a:t>
+              <a:t>5/1/2024</a:t>
             </a:fld>
             <a:endParaRPr lang="en-US"/>
           </a:p>
@@ -2449,7 +2465,7 @@
           <a:p>
             <a:fld id="{53A5D096-CEBF-46F5-A5FD-C37A6AE3B6B5}" type="datetime1">
               <a:rPr lang="en-US" smtClean="0"/>
-              <a:t>9/5/2023</a:t>
+              <a:t>5/1/2024</a:t>
             </a:fld>
             <a:endParaRPr lang="en-US"/>
           </a:p>
@@ -2871,7 +2887,7 @@
           <a:p>
             <a:fld id="{9B2FDDEB-B8D6-4C7D-B954-7415DEFA3464}" type="datetime1">
               <a:rPr lang="en-US" smtClean="0"/>
-              <a:t>9/5/2023</a:t>
+              <a:t>5/1/2024</a:t>
             </a:fld>
             <a:endParaRPr lang="en-US"/>
           </a:p>
@@ -2991,7 +3007,7 @@
           <a:p>
             <a:fld id="{32AE068F-9A1D-4DB9-BB6E-FF6D0E389416}" type="datetime1">
               <a:rPr lang="en-US" smtClean="0"/>
-              <a:t>9/5/2023</a:t>
+              <a:t>5/1/2024</a:t>
             </a:fld>
             <a:endParaRPr lang="en-US"/>
           </a:p>
@@ -3089,7 +3105,7 @@
           <a:p>
             <a:fld id="{FBF6D219-A911-4033-9E54-BB9ABFA9D545}" type="datetime1">
               <a:rPr lang="en-US" smtClean="0"/>
-              <a:t>9/5/2023</a:t>
+              <a:t>5/1/2024</a:t>
             </a:fld>
             <a:endParaRPr lang="en-US"/>
           </a:p>
@@ -3363,7 +3379,7 @@
           <a:p>
             <a:fld id="{02BE2673-CECD-442C-B25D-0F09263D6981}" type="datetime1">
               <a:rPr lang="en-US" smtClean="0"/>
-              <a:t>9/5/2023</a:t>
+              <a:t>5/1/2024</a:t>
             </a:fld>
             <a:endParaRPr lang="en-US"/>
           </a:p>
@@ -3534,7 +3550,7 @@
           <a:p>
             <a:fld id="{11B4B96A-F28B-4C13-9D73-ACB02C9FA3F5}" type="datetime1">
               <a:rPr lang="en-US" smtClean="0"/>
-              <a:t>9/5/2023</a:t>
+              <a:t>5/1/2024</a:t>
             </a:fld>
             <a:endParaRPr lang="en-US"/>
           </a:p>
@@ -3800,7 +3816,7 @@
           <a:p>
             <a:fld id="{482C82E8-780C-4F5D-B604-F617A682FF89}" type="datetime1">
               <a:rPr lang="en-US" smtClean="0"/>
-              <a:t>9/5/2023</a:t>
+              <a:t>5/1/2024</a:t>
             </a:fld>
             <a:endParaRPr lang="en-US"/>
           </a:p>
@@ -3971,7 +3987,7 @@
           <a:p>
             <a:fld id="{D77F463A-B349-42A5-896E-DB6677533A69}" type="datetime1">
               <a:rPr lang="en-US" smtClean="0"/>
-              <a:t>9/5/2023</a:t>
+              <a:t>5/1/2024</a:t>
             </a:fld>
             <a:endParaRPr lang="en-US"/>
           </a:p>
@@ -4195,7 +4211,7 @@
           <a:p>
             <a:fld id="{33686E69-6241-4869-AF5D-7D22381A406B}" type="datetime1">
               <a:rPr lang="en-US" smtClean="0"/>
-              <a:t>9/5/2023</a:t>
+              <a:t>5/1/2024</a:t>
             </a:fld>
             <a:endParaRPr lang="en-US"/>
           </a:p>
@@ -4447,7 +4463,7 @@
           <a:p>
             <a:fld id="{77473A60-E096-465D-9A83-E8147B3F6C0E}" type="datetime1">
               <a:rPr lang="en-US" smtClean="0"/>
-              <a:t>9/5/2023</a:t>
+              <a:t>5/1/2024</a:t>
             </a:fld>
             <a:endParaRPr lang="en-US"/>
           </a:p>
@@ -4618,7 +4634,7 @@
           <a:p>
             <a:fld id="{84F6D9CF-3C6B-4087-9469-24C52A066B88}" type="datetime1">
               <a:rPr lang="en-US" smtClean="0"/>
-              <a:t>9/5/2023</a:t>
+              <a:t>5/1/2024</a:t>
             </a:fld>
             <a:endParaRPr lang="en-US"/>
           </a:p>
@@ -4921,7 +4937,7 @@
           <a:p>
             <a:fld id="{49C4AAAF-7E8B-4F5B-867E-8F407AE68685}" type="datetime1">
               <a:rPr lang="en-US" smtClean="0"/>
-              <a:t>9/5/2023</a:t>
+              <a:t>5/1/2024</a:t>
             </a:fld>
             <a:endParaRPr lang="en-US"/>
           </a:p>
@@ -5225,7 +5241,7 @@
           <a:p>
             <a:fld id="{9D3F05DD-F45A-4156-9B24-213114579C17}" type="datetime1">
               <a:rPr lang="en-US" smtClean="0"/>
-              <a:t>9/5/2023</a:t>
+              <a:t>5/1/2024</a:t>
             </a:fld>
             <a:endParaRPr lang="en-US"/>
           </a:p>
@@ -5647,7 +5663,7 @@
           <a:p>
             <a:fld id="{A981E5ED-96A2-452A-82FD-A11845DA58F8}" type="datetime1">
               <a:rPr lang="en-US" smtClean="0"/>
-              <a:t>9/5/2023</a:t>
+              <a:t>5/1/2024</a:t>
             </a:fld>
             <a:endParaRPr lang="en-US"/>
           </a:p>
@@ -5767,7 +5783,7 @@
           <a:p>
             <a:fld id="{8DB94BAA-93BE-432A-91BB-C1C502628933}" type="datetime1">
               <a:rPr lang="en-US" smtClean="0"/>
-              <a:t>9/5/2023</a:t>
+              <a:t>5/1/2024</a:t>
             </a:fld>
             <a:endParaRPr lang="en-US"/>
           </a:p>
@@ -5865,7 +5881,7 @@
           <a:p>
             <a:fld id="{5BDCF754-7BE9-4564-8303-1CE74C14D190}" type="datetime1">
               <a:rPr lang="en-US" smtClean="0"/>
-              <a:t>9/5/2023</a:t>
+              <a:t>5/1/2024</a:t>
             </a:fld>
             <a:endParaRPr lang="en-US"/>
           </a:p>
@@ -6168,7 +6184,7 @@
           <a:p>
             <a:fld id="{D6499FB2-5562-4EF9-9742-DE2D7F4851C8}" type="datetime1">
               <a:rPr lang="en-US" smtClean="0"/>
-              <a:t>9/5/2023</a:t>
+              <a:t>5/1/2024</a:t>
             </a:fld>
             <a:endParaRPr lang="en-US"/>
           </a:p>
@@ -6458,7 +6474,7 @@
           <a:p>
             <a:fld id="{AA1B3FB8-662E-4DE1-8829-DA4C6A346FF6}" type="datetime1">
               <a:rPr lang="en-US" smtClean="0"/>
-              <a:t>9/5/2023</a:t>
+              <a:t>5/1/2024</a:t>
             </a:fld>
             <a:endParaRPr lang="en-US"/>
           </a:p>
@@ -6724,7 +6740,7 @@
           <a:p>
             <a:fld id="{FB1F03E2-5D83-407D-B083-74730CFDA684}" type="datetime1">
               <a:rPr lang="en-US" smtClean="0"/>
-              <a:t>9/5/2023</a:t>
+              <a:t>5/1/2024</a:t>
             </a:fld>
             <a:endParaRPr lang="en-US"/>
           </a:p>
@@ -6895,7 +6911,7 @@
           <a:p>
             <a:fld id="{1884342F-8AE2-4B52-BE5A-75F6244E26A5}" type="datetime1">
               <a:rPr lang="en-US" smtClean="0"/>
-              <a:t>9/5/2023</a:t>
+              <a:t>5/1/2024</a:t>
             </a:fld>
             <a:endParaRPr lang="en-US"/>
           </a:p>
@@ -7119,7 +7135,7 @@
           <a:p>
             <a:fld id="{D35C1978-EEDB-4C4A-BE00-1032E79B27CB}" type="datetime1">
               <a:rPr lang="en-US" smtClean="0"/>
-              <a:t>9/5/2023</a:t>
+              <a:t>5/1/2024</a:t>
             </a:fld>
             <a:endParaRPr lang="en-US"/>
           </a:p>
@@ -7417,7 +7433,7 @@
           <a:p>
             <a:fld id="{D61E3211-219A-4040-95D0-92819B31C965}" type="datetime1">
               <a:rPr lang="en-US" smtClean="0"/>
-              <a:t>9/5/2023</a:t>
+              <a:t>5/1/2024</a:t>
             </a:fld>
             <a:endParaRPr lang="en-US"/>
           </a:p>
@@ -7839,7 +7855,7 @@
           <a:p>
             <a:fld id="{BB6D818C-9265-4863-9FB4-365D7284F6A7}" type="datetime1">
               <a:rPr lang="en-US" smtClean="0"/>
-              <a:t>9/5/2023</a:t>
+              <a:t>5/1/2024</a:t>
             </a:fld>
             <a:endParaRPr lang="en-US"/>
           </a:p>
@@ -7959,7 +7975,7 @@
           <a:p>
             <a:fld id="{A5E882D5-28D0-4ADC-AC16-6372F149B064}" type="datetime1">
               <a:rPr lang="en-US" smtClean="0"/>
-              <a:t>9/5/2023</a:t>
+              <a:t>5/1/2024</a:t>
             </a:fld>
             <a:endParaRPr lang="en-US"/>
           </a:p>
@@ -8057,7 +8073,7 @@
           <a:p>
             <a:fld id="{75009FA4-9508-4BEF-A828-C1986862D98F}" type="datetime1">
               <a:rPr lang="en-US" smtClean="0"/>
-              <a:t>9/5/2023</a:t>
+              <a:t>5/1/2024</a:t>
             </a:fld>
             <a:endParaRPr lang="en-US"/>
           </a:p>
@@ -8331,7 +8347,7 @@
           <a:p>
             <a:fld id="{FDFCE6F1-6B80-46F1-BA0B-CFE82CEE6649}" type="datetime1">
               <a:rPr lang="en-US" smtClean="0"/>
-              <a:t>9/5/2023</a:t>
+              <a:t>5/1/2024</a:t>
             </a:fld>
             <a:endParaRPr lang="en-US"/>
           </a:p>
@@ -8597,7 +8613,7 @@
           <a:p>
             <a:fld id="{1C32E83F-F05D-4DC8-8EFD-872FC3BB2B6B}" type="datetime1">
               <a:rPr lang="en-US" smtClean="0"/>
-              <a:t>9/5/2023</a:t>
+              <a:t>5/1/2024</a:t>
             </a:fld>
             <a:endParaRPr lang="en-US"/>
           </a:p>
@@ -8850,7 +8866,7 @@
           <a:p>
             <a:fld id="{A45FFE06-75A7-4EF9-A38A-8264BA1004FC}" type="datetime1">
               <a:rPr lang="en-US" smtClean="0"/>
-              <a:t>9/5/2023</a:t>
+              <a:t>5/1/2024</a:t>
             </a:fld>
             <a:endParaRPr lang="en-US"/>
           </a:p>
@@ -9481,7 +9497,7 @@
           <a:p>
             <a:fld id="{73A94946-52B6-4EA6-A550-971344F6C7D5}" type="datetime1">
               <a:rPr lang="en-US" smtClean="0"/>
-              <a:t>9/5/2023</a:t>
+              <a:t>5/1/2024</a:t>
             </a:fld>
             <a:endParaRPr lang="en-US"/>
           </a:p>
@@ -10112,7 +10128,7 @@
           <a:p>
             <a:fld id="{98CBB207-E745-488D-BFC8-A3C2BB3CCF54}" type="datetime1">
               <a:rPr lang="en-US" smtClean="0"/>
-              <a:t>9/5/2023</a:t>
+              <a:t>5/1/2024</a:t>
             </a:fld>
             <a:endParaRPr lang="en-US"/>
           </a:p>
@@ -10731,11 +10747,18 @@
               <a:t>PHY 245L: Modern Physics Lab</a:t>
             </a:r>
             <a:br>
-              <a:rPr lang="en-US" sz="5400" cap="none" dirty="0">
+              <a:rPr lang="en-US" sz="5400" cap="none">
                 <a:latin typeface="Century Schoolbook" panose="02040604050505020304" pitchFamily="18" charset="0"/>
                 <a:cs typeface="Arial" panose="020B0604020202020204" pitchFamily="34" charset="0"/>
               </a:rPr>
             </a:br>
+            <a:r>
+              <a:rPr lang="en-US" sz="5400" cap="none">
+                <a:latin typeface="Century Schoolbook" panose="02040604050505020304" pitchFamily="18" charset="0"/>
+                <a:cs typeface="Arial" panose="020B0604020202020204" pitchFamily="34" charset="0"/>
+              </a:rPr>
+              <a:t> </a:t>
+            </a:r>
             <a:br>
               <a:rPr lang="en-US" sz="5400" cap="none" dirty="0">
                 <a:latin typeface="Century Schoolbook" panose="02040604050505020304" pitchFamily="18" charset="0"/>
